--- a/2_PHASE3_Requirements/docs/2.1 Writing requirements_ES.pptx
+++ b/2_PHASE3_Requirements/docs/2.1 Writing requirements_ES.pptx
@@ -12291,7 +12291,7 @@
           <a:p>
             <a:fld id="{DE2F9ED7-D9DF-9B4A-A1AC-9FBF0C9B1C8E}" type="datetime1">
               <a:rPr lang="es-ES" smtClean="0"/>
-              <a:t>08/10/2023</a:t>
+              <a:t>29/02/2024</a:t>
             </a:fld>
             <a:endParaRPr lang="en-US" dirty="0"/>
           </a:p>
@@ -12461,7 +12461,7 @@
           <a:p>
             <a:fld id="{FEDC53B6-CB23-B545-A702-0812837A95EA}" type="datetime1">
               <a:rPr lang="es-ES" smtClean="0"/>
-              <a:t>08/10/2023</a:t>
+              <a:t>29/02/2024</a:t>
             </a:fld>
             <a:endParaRPr lang="en-US" dirty="0"/>
           </a:p>
@@ -32016,6 +32016,62 @@
       </p:sp>
       <p:sp>
         <p:nvSpPr>
+          <p:cNvPr id="6" name="Marcador de contenido 5">
+            <a:extLst>
+              <a:ext uri="{FF2B5EF4-FFF2-40B4-BE49-F238E27FC236}">
+                <a16:creationId xmlns:a16="http://schemas.microsoft.com/office/drawing/2014/main" id="{D700C7E2-D3F1-4A4D-80AD-9640139B4822}"/>
+              </a:ext>
+            </a:extLst>
+          </p:cNvPr>
+          <p:cNvSpPr>
+            <a:spLocks noGrp="1"/>
+          </p:cNvSpPr>
+          <p:nvPr>
+            <p:ph sz="quarter" idx="13"/>
+          </p:nvPr>
+        </p:nvSpPr>
+        <p:spPr/>
+        <p:txBody>
+          <a:bodyPr/>
+          <a:lstStyle/>
+          <a:p>
+            <a:pPr algn="just"/>
+            <a:r>
+              <a:rPr lang="es-ES" dirty="0">
+                <a:latin typeface="Arial Nova Light" panose="020B0304020202020204" pitchFamily="34" charset="0"/>
+              </a:rPr>
+              <a:t>Preparar una presentación o un vídeo que describa "Qué es una arquitectura de sistemas".</a:t>
+            </a:r>
+          </a:p>
+          <a:p>
+            <a:pPr lvl="1" algn="just"/>
+            <a:r>
+              <a:rPr lang="es-ES" dirty="0">
+                <a:solidFill>
+                  <a:schemeClr val="tx1"/>
+                </a:solidFill>
+                <a:latin typeface="Arial Nova Light" panose="020B0304020202020204" pitchFamily="34" charset="0"/>
+              </a:rPr>
+              <a:t>Grupos: 2-4 alumnos por equipo.</a:t>
+            </a:r>
+          </a:p>
+          <a:p>
+            <a:pPr lvl="1" algn="just"/>
+            <a:r>
+              <a:rPr lang="es-ES" dirty="0">
+                <a:solidFill>
+                  <a:schemeClr val="tx1"/>
+                </a:solidFill>
+                <a:latin typeface="Arial Nova Light" panose="020B0304020202020204" pitchFamily="34" charset="0"/>
+              </a:rPr>
+              <a:t>Duración: 3 minutos.</a:t>
+            </a:r>
+            <a:endParaRPr lang="es-ES" dirty="0"/>
+          </a:p>
+        </p:txBody>
+      </p:sp>
+      <p:sp>
+        <p:nvSpPr>
           <p:cNvPr id="5" name="Título 4">
             <a:extLst>
               <a:ext uri="{FF2B5EF4-FFF2-40B4-BE49-F238E27FC236}">
@@ -32038,62 +32094,6 @@
             <a:r>
               <a:rPr lang="en-GB" dirty="0"/>
               <a:t>Tarea para el siguiente día</a:t>
-            </a:r>
-            <a:endParaRPr lang="es-ES" dirty="0"/>
-          </a:p>
-        </p:txBody>
-      </p:sp>
-      <p:sp>
-        <p:nvSpPr>
-          <p:cNvPr id="6" name="Marcador de contenido 5">
-            <a:extLst>
-              <a:ext uri="{FF2B5EF4-FFF2-40B4-BE49-F238E27FC236}">
-                <a16:creationId xmlns:a16="http://schemas.microsoft.com/office/drawing/2014/main" id="{D700C7E2-D3F1-4A4D-80AD-9640139B4822}"/>
-              </a:ext>
-            </a:extLst>
-          </p:cNvPr>
-          <p:cNvSpPr>
-            <a:spLocks noGrp="1"/>
-          </p:cNvSpPr>
-          <p:nvPr>
-            <p:ph sz="quarter" idx="13"/>
-          </p:nvPr>
-        </p:nvSpPr>
-        <p:spPr/>
-        <p:txBody>
-          <a:bodyPr/>
-          <a:lstStyle/>
-          <a:p>
-            <a:pPr algn="just"/>
-            <a:r>
-              <a:rPr lang="es-ES" dirty="0">
-                <a:latin typeface="Arial Nova Light" panose="020B0304020202020204" pitchFamily="34" charset="0"/>
-              </a:rPr>
-              <a:t>Preparar una presentación o un vídeo que describa "Qué es una arquitectura de sistemas".</a:t>
-            </a:r>
-          </a:p>
-          <a:p>
-            <a:pPr lvl="1" algn="just"/>
-            <a:r>
-              <a:rPr lang="es-ES" dirty="0">
-                <a:solidFill>
-                  <a:schemeClr val="tx1"/>
-                </a:solidFill>
-                <a:latin typeface="Arial Nova Light" panose="020B0304020202020204" pitchFamily="34" charset="0"/>
-              </a:rPr>
-              <a:t>Grupos: 2-4 alumnos por equipo.</a:t>
-            </a:r>
-          </a:p>
-          <a:p>
-            <a:pPr lvl="1" algn="just"/>
-            <a:r>
-              <a:rPr lang="es-ES" dirty="0">
-                <a:solidFill>
-                  <a:schemeClr val="tx1"/>
-                </a:solidFill>
-                <a:latin typeface="Arial Nova Light" panose="020B0304020202020204" pitchFamily="34" charset="0"/>
-              </a:rPr>
-              <a:t>Duración: 3 minutos.</a:t>
             </a:r>
             <a:endParaRPr lang="es-ES" dirty="0"/>
           </a:p>
